--- a/analysis/results/us_feeders/post_proc.pptx
+++ b/analysis/results/us_feeders/post_proc.pptx
@@ -2621,7 +2621,7 @@
         <p:spPr>
           <a:xfrm>
             <a:off x="0" y="566928"/>
-            <a:ext cx="3886200" cy="4918799"/>
+            <a:ext cx="3886200" cy="4932081"/>
           </a:xfrm>
           <a:prstGeom prst="rect">
             <a:avLst/>
@@ -3125,7 +3125,7 @@
         <p:spPr>
           <a:xfrm>
             <a:off x="0" y="566928"/>
-            <a:ext cx="3886200" cy="4932081"/>
+            <a:ext cx="3886200" cy="4918799"/>
           </a:xfrm>
           <a:prstGeom prst="rect">
             <a:avLst/>
@@ -3629,7 +3629,7 @@
         <p:spPr>
           <a:xfrm>
             <a:off x="0" y="566928"/>
-            <a:ext cx="12188952" cy="5296770"/>
+            <a:ext cx="12188952" cy="5345654"/>
           </a:xfrm>
           <a:prstGeom prst="rect">
             <a:avLst/>
@@ -4133,7 +4133,7 @@
         <p:spPr>
           <a:xfrm>
             <a:off x="0" y="566928"/>
-            <a:ext cx="12188952" cy="5345654"/>
+            <a:ext cx="12188952" cy="5289679"/>
           </a:xfrm>
           <a:prstGeom prst="rect">
             <a:avLst/>
@@ -4196,7 +4196,7 @@
         <p:spPr>
           <a:xfrm>
             <a:off x="0" y="566928"/>
-            <a:ext cx="3886200" cy="4932081"/>
+            <a:ext cx="3886200" cy="4918799"/>
           </a:xfrm>
           <a:prstGeom prst="rect">
             <a:avLst/>
@@ -4448,7 +4448,7 @@
         <p:spPr>
           <a:xfrm>
             <a:off x="0" y="566928"/>
-            <a:ext cx="3886200" cy="4918799"/>
+            <a:ext cx="3886200" cy="4932081"/>
           </a:xfrm>
           <a:prstGeom prst="rect">
             <a:avLst/>
